--- a/越語詩歌/Tinh Binh Thập Tự.pptx
+++ b/越語詩歌/Tinh Binh Thập Tự.pptx
@@ -111,6 +111,22 @@
       </a:defRPr>
     </a:lvl9pPr>
   </p:defaultTextStyle>
+  <p:extLst>
+    <p:ext uri="{EFAFB233-063F-42B5-8137-9DF3F51BA10A}">
+      <p15:sldGuideLst xmlns:p15="http://schemas.microsoft.com/office/powerpoint/2012/main">
+        <p15:guide id="1" orient="horz" pos="1620">
+          <p15:clr>
+            <a:srgbClr val="A4A3A4"/>
+          </p15:clr>
+        </p15:guide>
+        <p15:guide id="2" pos="2880">
+          <p15:clr>
+            <a:srgbClr val="A4A3A4"/>
+          </p15:clr>
+        </p15:guide>
+      </p15:sldGuideLst>
+    </p:ext>
+  </p:extLst>
 </p:presentation>
 </file>
 
@@ -3063,38 +3079,40 @@
         </p:nvSpPr>
         <p:spPr/>
         <p:txBody>
-          <a:bodyPr/>
-          <a:lstStyle/>
-          <a:p>
-            <a:r>
-              <a:rPr lang="en-US" b="1" dirty="0" err="1"/>
+          <a:bodyPr>
+            <a:normAutofit/>
+          </a:bodyPr>
+          <a:lstStyle/>
+          <a:p>
+            <a:r>
+              <a:rPr lang="en-US" sz="3200" b="1" dirty="0" err="1"/>
               <a:t>Tinh</a:t>
             </a:r>
             <a:r>
-              <a:rPr lang="en-US" b="1" dirty="0"/>
+              <a:rPr lang="en-US" sz="3200" b="1" dirty="0"/>
               <a:t> </a:t>
             </a:r>
             <a:r>
-              <a:rPr lang="en-US" b="1" dirty="0" err="1"/>
+              <a:rPr lang="en-US" sz="3200" b="1" dirty="0" err="1"/>
               <a:t>Binh</a:t>
             </a:r>
             <a:r>
-              <a:rPr lang="en-US" b="1" dirty="0"/>
+              <a:rPr lang="en-US" sz="3200" b="1" dirty="0"/>
               <a:t> </a:t>
             </a:r>
             <a:r>
-              <a:rPr lang="en-US" b="1" dirty="0" err="1"/>
+              <a:rPr lang="en-US" sz="3200" b="1" dirty="0" err="1"/>
               <a:t>Thập</a:t>
             </a:r>
             <a:r>
-              <a:rPr lang="en-US" b="1" dirty="0"/>
+              <a:rPr lang="en-US" sz="3200" b="1" dirty="0"/>
               <a:t> </a:t>
             </a:r>
             <a:r>
-              <a:rPr lang="en-US" b="1" dirty="0" err="1"/>
+              <a:rPr lang="en-US" sz="3200" b="1" dirty="0" err="1"/>
               <a:t>Tự</a:t>
             </a:r>
-            <a:endParaRPr lang="zh-TW" altLang="en-US" dirty="0"/>
+            <a:endParaRPr lang="zh-TW" altLang="en-US" sz="3200" dirty="0"/>
           </a:p>
         </p:txBody>
       </p:sp>
@@ -3110,75 +3128,107 @@
         </p:nvSpPr>
         <p:spPr/>
         <p:txBody>
-          <a:bodyPr/>
-          <a:lstStyle/>
-          <a:p>
-            <a:pPr>
+          <a:bodyPr>
+            <a:normAutofit/>
+          </a:bodyPr>
+          <a:lstStyle/>
+          <a:p>
+            <a:pPr algn="ctr">
               <a:buNone/>
             </a:pPr>
             <a:r>
-              <a:rPr lang="vi-VN" dirty="0" smtClean="0"/>
+              <a:rPr lang="vi-VN" sz="3600" b="1" dirty="0" smtClean="0"/>
               <a:t>Nầy </a:t>
             </a:r>
             <a:r>
-              <a:rPr lang="vi-VN" dirty="0"/>
+              <a:rPr lang="vi-VN" sz="3600" b="1" dirty="0"/>
               <a:t>tinh binh của quân thập </a:t>
             </a:r>
             <a:r>
-              <a:rPr lang="vi-VN" dirty="0" smtClean="0"/>
+              <a:rPr lang="vi-VN" sz="3600" b="1" dirty="0" smtClean="0"/>
               <a:t>tự</a:t>
             </a:r>
-            <a:endParaRPr lang="en-US" dirty="0" smtClean="0"/>
-          </a:p>
-          <a:p>
-            <a:pPr>
+            <a:endParaRPr lang="en-US" sz="3600" b="1" dirty="0" smtClean="0"/>
+          </a:p>
+          <a:p>
+            <a:pPr algn="ctr">
               <a:buNone/>
             </a:pPr>
             <a:r>
-              <a:rPr lang="vi-VN" dirty="0" smtClean="0"/>
+              <a:rPr lang="vi-VN" sz="3600" b="1" dirty="0" smtClean="0"/>
               <a:t>Vâng </a:t>
             </a:r>
             <a:r>
-              <a:rPr lang="vi-VN" dirty="0"/>
+              <a:rPr lang="vi-VN" sz="3600" b="1" dirty="0"/>
               <a:t>lệnh trên mau đứng </a:t>
             </a:r>
             <a:r>
-              <a:rPr lang="vi-VN" dirty="0" smtClean="0"/>
+              <a:rPr lang="vi-VN" sz="3600" b="1" dirty="0" smtClean="0"/>
               <a:t>lên</a:t>
             </a:r>
-            <a:endParaRPr lang="en-US" dirty="0" smtClean="0"/>
-          </a:p>
-          <a:p>
-            <a:pPr>
+            <a:endParaRPr lang="en-US" sz="3600" b="1" dirty="0" smtClean="0"/>
+          </a:p>
+          <a:p>
+            <a:pPr algn="ctr">
               <a:buNone/>
             </a:pPr>
             <a:r>
-              <a:rPr lang="vi-VN" dirty="0" smtClean="0"/>
+              <a:rPr lang="vi-VN" sz="3600" b="1" dirty="0" smtClean="0"/>
               <a:t>Cờ </a:t>
             </a:r>
             <a:r>
-              <a:rPr lang="vi-VN" dirty="0"/>
+              <a:rPr lang="vi-VN" sz="3600" b="1" dirty="0"/>
               <a:t>thiêng ta quyết dương cao </a:t>
             </a:r>
             <a:r>
-              <a:rPr lang="vi-VN" dirty="0" smtClean="0"/>
+              <a:rPr lang="vi-VN" sz="3600" b="1" dirty="0" smtClean="0"/>
               <a:t>hoài</a:t>
             </a:r>
-            <a:endParaRPr lang="en-US" dirty="0" smtClean="0"/>
-          </a:p>
-          <a:p>
-            <a:pPr>
+            <a:endParaRPr lang="en-US" sz="3600" b="1" dirty="0" smtClean="0"/>
+          </a:p>
+          <a:p>
+            <a:pPr algn="ctr">
               <a:buNone/>
             </a:pPr>
             <a:r>
-              <a:rPr lang="vi-VN" dirty="0" smtClean="0"/>
+              <a:rPr lang="vi-VN" sz="3600" b="1" dirty="0" smtClean="0"/>
               <a:t>Ra </a:t>
             </a:r>
             <a:r>
-              <a:rPr lang="vi-VN" dirty="0"/>
+              <a:rPr lang="vi-VN" sz="3600" b="1" dirty="0"/>
               <a:t>trận xông giáo lướt tên</a:t>
             </a:r>
-            <a:endParaRPr lang="zh-TW" altLang="en-US" dirty="0"/>
+            <a:endParaRPr lang="zh-TW" altLang="en-US" sz="3600" b="1" dirty="0"/>
+          </a:p>
+        </p:txBody>
+      </p:sp>
+      <p:sp>
+        <p:nvSpPr>
+          <p:cNvPr id="4" name="TextBox 3"/>
+          <p:cNvSpPr txBox="1"/>
+          <p:nvPr/>
+        </p:nvSpPr>
+        <p:spPr>
+          <a:xfrm>
+            <a:off x="107504" y="492265"/>
+            <a:ext cx="936104" cy="707886"/>
+          </a:xfrm>
+          <a:prstGeom prst="rect">
+            <a:avLst/>
+          </a:prstGeom>
+          <a:noFill/>
+        </p:spPr>
+        <p:txBody>
+          <a:bodyPr wrap="square" rtlCol="0">
+            <a:spAutoFit/>
+          </a:bodyPr>
+          <a:lstStyle/>
+          <a:p>
+            <a:r>
+              <a:rPr lang="en-US" sz="4000" b="1" dirty="0" smtClean="0"/>
+              <a:t>1.</a:t>
+            </a:r>
+            <a:endParaRPr lang="vi-VN" sz="4000" b="1" dirty="0"/>
           </a:p>
         </p:txBody>
       </p:sp>
@@ -3219,38 +3269,40 @@
         </p:nvSpPr>
         <p:spPr/>
         <p:txBody>
-          <a:bodyPr/>
-          <a:lstStyle/>
-          <a:p>
-            <a:r>
-              <a:rPr lang="en-US" b="1" dirty="0" err="1"/>
+          <a:bodyPr>
+            <a:normAutofit/>
+          </a:bodyPr>
+          <a:lstStyle/>
+          <a:p>
+            <a:r>
+              <a:rPr lang="en-US" sz="3200" b="1" dirty="0" err="1"/>
               <a:t>Tinh</a:t>
             </a:r>
             <a:r>
-              <a:rPr lang="en-US" b="1" dirty="0"/>
+              <a:rPr lang="en-US" sz="3200" b="1" dirty="0"/>
               <a:t> </a:t>
             </a:r>
             <a:r>
-              <a:rPr lang="en-US" b="1" dirty="0" err="1"/>
+              <a:rPr lang="en-US" sz="3200" b="1" dirty="0" err="1"/>
               <a:t>Binh</a:t>
             </a:r>
             <a:r>
-              <a:rPr lang="en-US" b="1" dirty="0"/>
+              <a:rPr lang="en-US" sz="3200" b="1" dirty="0"/>
               <a:t> </a:t>
             </a:r>
             <a:r>
-              <a:rPr lang="en-US" b="1" dirty="0" err="1"/>
+              <a:rPr lang="en-US" sz="3200" b="1" dirty="0" err="1"/>
               <a:t>Thập</a:t>
             </a:r>
             <a:r>
-              <a:rPr lang="en-US" b="1" dirty="0"/>
+              <a:rPr lang="en-US" sz="3200" b="1" dirty="0"/>
               <a:t> </a:t>
             </a:r>
             <a:r>
-              <a:rPr lang="en-US" b="1" dirty="0" err="1"/>
+              <a:rPr lang="en-US" sz="3200" b="1" dirty="0" err="1"/>
               <a:t>Tự</a:t>
             </a:r>
-            <a:endParaRPr lang="zh-TW" altLang="en-US" dirty="0"/>
+            <a:endParaRPr lang="zh-TW" altLang="en-US" sz="3200" b="1" dirty="0"/>
           </a:p>
         </p:txBody>
       </p:sp>
@@ -3266,38 +3318,104 @@
         </p:nvSpPr>
         <p:spPr/>
         <p:txBody>
-          <a:bodyPr/>
-          <a:lstStyle/>
-          <a:p>
-            <a:pPr>
+          <a:bodyPr>
+            <a:normAutofit/>
+          </a:bodyPr>
+          <a:lstStyle/>
+          <a:p>
+            <a:pPr algn="ctr">
               <a:buNone/>
             </a:pPr>
             <a:r>
-              <a:rPr lang="vi-VN" dirty="0" smtClean="0"/>
-              <a:t>Dẹp tan quân thù ta cứ tiến,</a:t>
-            </a:r>
-            <a:br>
-              <a:rPr lang="vi-VN" dirty="0" smtClean="0"/>
-            </a:br>
-            <a:r>
-              <a:rPr lang="vi-VN" dirty="0" smtClean="0"/>
-              <a:t>Trong Christ lãnh đạo tấn công</a:t>
-            </a:r>
-            <a:br>
-              <a:rPr lang="vi-VN" dirty="0" smtClean="0"/>
-            </a:br>
-            <a:r>
-              <a:rPr lang="vi-VN" dirty="0" smtClean="0"/>
-              <a:t>Kỳ cho đến lúc ca khải hoàn,</a:t>
-            </a:r>
-            <a:br>
-              <a:rPr lang="vi-VN" dirty="0" smtClean="0"/>
-            </a:br>
-            <a:r>
-              <a:rPr lang="vi-VN" dirty="0" smtClean="0"/>
-              <a:t>Christ làm Chân Chúa vô song.</a:t>
-            </a:r>
-            <a:endParaRPr lang="zh-TW" altLang="en-US" dirty="0"/>
+              <a:rPr lang="vi-VN" sz="3600" b="1" dirty="0"/>
+              <a:t>Dẹp tan quân thù ta cứ </a:t>
+            </a:r>
+            <a:r>
+              <a:rPr lang="vi-VN" sz="3600" b="1" dirty="0" smtClean="0"/>
+              <a:t>tiến</a:t>
+            </a:r>
+          </a:p>
+          <a:p>
+            <a:pPr algn="ctr">
+              <a:buNone/>
+            </a:pPr>
+            <a:r>
+              <a:rPr lang="vi-VN" sz="3600" b="1" dirty="0" smtClean="0"/>
+              <a:t>Trong </a:t>
+            </a:r>
+            <a:r>
+              <a:rPr lang="vi-VN" sz="3600" b="1" dirty="0"/>
+              <a:t>Christ lãnh đạo tấn </a:t>
+            </a:r>
+            <a:r>
+              <a:rPr lang="vi-VN" sz="3600" b="1" dirty="0" smtClean="0"/>
+              <a:t>công</a:t>
+            </a:r>
+          </a:p>
+          <a:p>
+            <a:pPr algn="ctr">
+              <a:buNone/>
+            </a:pPr>
+            <a:r>
+              <a:rPr lang="vi-VN" sz="3600" b="1" dirty="0" smtClean="0"/>
+              <a:t>Kỳ </a:t>
+            </a:r>
+            <a:r>
+              <a:rPr lang="vi-VN" sz="3600" b="1" dirty="0"/>
+              <a:t>cho đến lúc ca khải </a:t>
+            </a:r>
+            <a:r>
+              <a:rPr lang="vi-VN" sz="3600" b="1" dirty="0" smtClean="0"/>
+              <a:t>hoàn</a:t>
+            </a:r>
+          </a:p>
+          <a:p>
+            <a:pPr algn="ctr">
+              <a:buNone/>
+            </a:pPr>
+            <a:r>
+              <a:rPr lang="vi-VN" sz="3600" b="1" dirty="0" smtClean="0"/>
+              <a:t>Christ </a:t>
+            </a:r>
+            <a:r>
+              <a:rPr lang="vi-VN" sz="3600" b="1" dirty="0"/>
+              <a:t>làm Chân Chúa vô </a:t>
+            </a:r>
+            <a:r>
+              <a:rPr lang="vi-VN" sz="3600" b="1" dirty="0" smtClean="0"/>
+              <a:t>song</a:t>
+            </a:r>
+            <a:endParaRPr lang="zh-TW" altLang="en-US" sz="3600" b="1" dirty="0"/>
+          </a:p>
+        </p:txBody>
+      </p:sp>
+      <p:sp>
+        <p:nvSpPr>
+          <p:cNvPr id="4" name="TextBox 3"/>
+          <p:cNvSpPr txBox="1"/>
+          <p:nvPr/>
+        </p:nvSpPr>
+        <p:spPr>
+          <a:xfrm>
+            <a:off x="107504" y="492265"/>
+            <a:ext cx="936104" cy="707886"/>
+          </a:xfrm>
+          <a:prstGeom prst="rect">
+            <a:avLst/>
+          </a:prstGeom>
+          <a:noFill/>
+        </p:spPr>
+        <p:txBody>
+          <a:bodyPr wrap="square" rtlCol="0">
+            <a:spAutoFit/>
+          </a:bodyPr>
+          <a:lstStyle/>
+          <a:p>
+            <a:r>
+              <a:rPr lang="en-US" sz="4000" b="1" dirty="0" smtClean="0"/>
+              <a:t>1.</a:t>
+            </a:r>
+            <a:endParaRPr lang="vi-VN" sz="4000" b="1" dirty="0"/>
           </a:p>
         </p:txBody>
       </p:sp>
@@ -3338,38 +3456,40 @@
         </p:nvSpPr>
         <p:spPr/>
         <p:txBody>
-          <a:bodyPr/>
-          <a:lstStyle/>
-          <a:p>
-            <a:r>
-              <a:rPr lang="en-US" b="1" dirty="0" err="1"/>
+          <a:bodyPr>
+            <a:normAutofit/>
+          </a:bodyPr>
+          <a:lstStyle/>
+          <a:p>
+            <a:r>
+              <a:rPr lang="en-US" sz="3200" b="1" dirty="0" err="1"/>
               <a:t>Tinh</a:t>
             </a:r>
             <a:r>
-              <a:rPr lang="en-US" b="1" dirty="0"/>
+              <a:rPr lang="en-US" sz="3200" b="1" dirty="0"/>
               <a:t> </a:t>
             </a:r>
             <a:r>
-              <a:rPr lang="en-US" b="1" dirty="0" err="1"/>
+              <a:rPr lang="en-US" sz="3200" b="1" dirty="0" err="1"/>
               <a:t>Binh</a:t>
             </a:r>
             <a:r>
-              <a:rPr lang="en-US" b="1" dirty="0"/>
+              <a:rPr lang="en-US" sz="3200" b="1" dirty="0"/>
               <a:t> </a:t>
             </a:r>
             <a:r>
-              <a:rPr lang="en-US" b="1" dirty="0" err="1"/>
+              <a:rPr lang="en-US" sz="3200" b="1" dirty="0" err="1"/>
               <a:t>Thập</a:t>
             </a:r>
             <a:r>
-              <a:rPr lang="en-US" b="1" dirty="0"/>
+              <a:rPr lang="en-US" sz="3200" b="1" dirty="0"/>
               <a:t> </a:t>
             </a:r>
             <a:r>
-              <a:rPr lang="en-US" b="1" dirty="0" err="1"/>
+              <a:rPr lang="en-US" sz="3200" b="1" dirty="0" err="1"/>
               <a:t>Tự</a:t>
             </a:r>
-            <a:endParaRPr lang="zh-TW" altLang="en-US" dirty="0"/>
+            <a:endParaRPr lang="zh-TW" altLang="en-US" sz="3200" b="1" dirty="0"/>
           </a:p>
         </p:txBody>
       </p:sp>
@@ -3385,38 +3505,104 @@
         </p:nvSpPr>
         <p:spPr/>
         <p:txBody>
-          <a:bodyPr/>
-          <a:lstStyle/>
-          <a:p>
-            <a:pPr>
+          <a:bodyPr>
+            <a:normAutofit/>
+          </a:bodyPr>
+          <a:lstStyle/>
+          <a:p>
+            <a:pPr algn="ctr">
               <a:buNone/>
             </a:pPr>
             <a:r>
-              <a:rPr lang="vi-VN" dirty="0" smtClean="0"/>
-              <a:t>Nầy tinh binh Chúa hãy vững vàng,</a:t>
-            </a:r>
-            <a:br>
-              <a:rPr lang="vi-VN" dirty="0" smtClean="0"/>
-            </a:br>
-            <a:r>
-              <a:rPr lang="vi-VN" dirty="0" smtClean="0"/>
-              <a:t>nghe kèn vang mau tiến sang!</a:t>
-            </a:r>
-            <a:br>
-              <a:rPr lang="vi-VN" dirty="0" smtClean="0"/>
-            </a:br>
-            <a:r>
-              <a:rPr lang="vi-VN" dirty="0" smtClean="0"/>
-              <a:t>Tiền phong ta quyết không nao sờn,</a:t>
-            </a:r>
-            <a:br>
-              <a:rPr lang="vi-VN" dirty="0" smtClean="0"/>
-            </a:br>
-            <a:r>
-              <a:rPr lang="vi-VN" dirty="0" smtClean="0"/>
-              <a:t>Ô ngày đắc thắng vinh quang</a:t>
-            </a:r>
-            <a:endParaRPr lang="zh-TW" altLang="en-US" dirty="0"/>
+              <a:rPr lang="vi-VN" sz="3600" b="1" dirty="0"/>
+              <a:t>Nầy tinh binh Chúa hãy vững </a:t>
+            </a:r>
+            <a:r>
+              <a:rPr lang="vi-VN" sz="3600" b="1" dirty="0" smtClean="0"/>
+              <a:t>vàng</a:t>
+            </a:r>
+          </a:p>
+          <a:p>
+            <a:pPr algn="ctr">
+              <a:buNone/>
+            </a:pPr>
+            <a:r>
+              <a:rPr lang="vi-VN" sz="3600" b="1" dirty="0" smtClean="0"/>
+              <a:t>nghe </a:t>
+            </a:r>
+            <a:r>
+              <a:rPr lang="vi-VN" sz="3600" b="1" dirty="0"/>
+              <a:t>kèn vang mau tiến </a:t>
+            </a:r>
+            <a:r>
+              <a:rPr lang="vi-VN" sz="3600" b="1" dirty="0" smtClean="0"/>
+              <a:t>sang</a:t>
+            </a:r>
+          </a:p>
+          <a:p>
+            <a:pPr algn="ctr">
+              <a:buNone/>
+            </a:pPr>
+            <a:r>
+              <a:rPr lang="vi-VN" sz="3600" b="1" dirty="0" smtClean="0"/>
+              <a:t>Tiền </a:t>
+            </a:r>
+            <a:r>
+              <a:rPr lang="vi-VN" sz="3600" b="1" dirty="0"/>
+              <a:t>phong ta quyết không nao </a:t>
+            </a:r>
+            <a:r>
+              <a:rPr lang="vi-VN" sz="3600" b="1" dirty="0" smtClean="0"/>
+              <a:t>sờn</a:t>
+            </a:r>
+          </a:p>
+          <a:p>
+            <a:pPr algn="ctr">
+              <a:buNone/>
+            </a:pPr>
+            <a:r>
+              <a:rPr lang="vi-VN" sz="3600" b="1" dirty="0" smtClean="0"/>
+              <a:t>Ô </a:t>
+            </a:r>
+            <a:r>
+              <a:rPr lang="vi-VN" sz="3600" b="1" dirty="0"/>
+              <a:t>ngày đắc thắng vinh quang</a:t>
+            </a:r>
+            <a:endParaRPr lang="zh-TW" altLang="en-US" sz="3600" b="1" dirty="0"/>
+          </a:p>
+        </p:txBody>
+      </p:sp>
+      <p:sp>
+        <p:nvSpPr>
+          <p:cNvPr id="4" name="TextBox 3"/>
+          <p:cNvSpPr txBox="1"/>
+          <p:nvPr/>
+        </p:nvSpPr>
+        <p:spPr>
+          <a:xfrm>
+            <a:off x="107504" y="492265"/>
+            <a:ext cx="936104" cy="707886"/>
+          </a:xfrm>
+          <a:prstGeom prst="rect">
+            <a:avLst/>
+          </a:prstGeom>
+          <a:noFill/>
+        </p:spPr>
+        <p:txBody>
+          <a:bodyPr wrap="square" rtlCol="0">
+            <a:spAutoFit/>
+          </a:bodyPr>
+          <a:lstStyle/>
+          <a:p>
+            <a:r>
+              <a:rPr lang="en-US" sz="4000" b="1" dirty="0"/>
+              <a:t>2</a:t>
+            </a:r>
+            <a:r>
+              <a:rPr lang="en-US" sz="4000" b="1" dirty="0" smtClean="0"/>
+              <a:t>.</a:t>
+            </a:r>
+            <a:endParaRPr lang="vi-VN" sz="4000" b="1" dirty="0"/>
           </a:p>
         </p:txBody>
       </p:sp>
@@ -3457,38 +3643,40 @@
         </p:nvSpPr>
         <p:spPr/>
         <p:txBody>
-          <a:bodyPr/>
-          <a:lstStyle/>
-          <a:p>
-            <a:r>
-              <a:rPr lang="en-US" b="1" dirty="0" err="1"/>
+          <a:bodyPr>
+            <a:normAutofit/>
+          </a:bodyPr>
+          <a:lstStyle/>
+          <a:p>
+            <a:r>
+              <a:rPr lang="en-US" sz="3200" b="1" dirty="0" err="1"/>
               <a:t>Tinh</a:t>
             </a:r>
             <a:r>
-              <a:rPr lang="en-US" b="1" dirty="0"/>
+              <a:rPr lang="en-US" sz="3200" b="1" dirty="0"/>
               <a:t> </a:t>
             </a:r>
             <a:r>
-              <a:rPr lang="en-US" b="1" dirty="0" err="1"/>
+              <a:rPr lang="en-US" sz="3200" b="1" dirty="0" err="1"/>
               <a:t>Binh</a:t>
             </a:r>
             <a:r>
-              <a:rPr lang="en-US" b="1" dirty="0"/>
+              <a:rPr lang="en-US" sz="3200" b="1" dirty="0"/>
               <a:t> </a:t>
             </a:r>
             <a:r>
-              <a:rPr lang="en-US" b="1" dirty="0" err="1"/>
+              <a:rPr lang="en-US" sz="3200" b="1" dirty="0" err="1"/>
               <a:t>Thập</a:t>
             </a:r>
             <a:r>
-              <a:rPr lang="en-US" b="1" dirty="0"/>
+              <a:rPr lang="en-US" sz="3200" b="1" dirty="0"/>
               <a:t> </a:t>
             </a:r>
             <a:r>
-              <a:rPr lang="en-US" b="1" dirty="0" err="1"/>
+              <a:rPr lang="en-US" sz="3200" b="1" dirty="0" err="1"/>
               <a:t>Tự</a:t>
             </a:r>
-            <a:endParaRPr lang="zh-TW" altLang="en-US" dirty="0"/>
+            <a:endParaRPr lang="zh-TW" altLang="en-US" sz="3200" b="1" dirty="0"/>
           </a:p>
         </p:txBody>
       </p:sp>
@@ -3504,38 +3692,108 @@
         </p:nvSpPr>
         <p:spPr/>
         <p:txBody>
-          <a:bodyPr/>
-          <a:lstStyle/>
-          <a:p>
-            <a:pPr>
+          <a:bodyPr>
+            <a:normAutofit/>
+          </a:bodyPr>
+          <a:lstStyle/>
+          <a:p>
+            <a:pPr algn="ctr">
               <a:buNone/>
             </a:pPr>
             <a:r>
-              <a:rPr lang="vi-VN" dirty="0" smtClean="0"/>
-              <a:t>Cùng nhau nương cậy Jêsus Christ,</a:t>
-            </a:r>
-            <a:br>
-              <a:rPr lang="vi-VN" dirty="0" smtClean="0"/>
-            </a:br>
-            <a:r>
-              <a:rPr lang="vi-VN" dirty="0" smtClean="0"/>
-              <a:t>Cương quyết đánh bại Sa-tan</a:t>
-            </a:r>
-            <a:br>
-              <a:rPr lang="vi-VN" dirty="0" smtClean="0"/>
-            </a:br>
-            <a:r>
-              <a:rPr lang="vi-VN" dirty="0" smtClean="0"/>
-              <a:t>Gặp gian nguy sẽ không nao lòng,</a:t>
-            </a:r>
-            <a:br>
-              <a:rPr lang="vi-VN" dirty="0" smtClean="0"/>
-            </a:br>
-            <a:r>
-              <a:rPr lang="vi-VN" dirty="0" smtClean="0"/>
-              <a:t>Tin cậy ơn sức Chúa ban.</a:t>
-            </a:r>
-            <a:endParaRPr lang="zh-TW" altLang="en-US" dirty="0"/>
+              <a:rPr lang="vi-VN" sz="3600" b="1" dirty="0"/>
+              <a:t>Cùng nhau nương cậy Jêsus </a:t>
+            </a:r>
+            <a:r>
+              <a:rPr lang="vi-VN" sz="3600" b="1" dirty="0" smtClean="0"/>
+              <a:t>Christ</a:t>
+            </a:r>
+          </a:p>
+          <a:p>
+            <a:pPr algn="ctr">
+              <a:buNone/>
+            </a:pPr>
+            <a:r>
+              <a:rPr lang="vi-VN" sz="3600" b="1" dirty="0" smtClean="0"/>
+              <a:t>Cương </a:t>
+            </a:r>
+            <a:r>
+              <a:rPr lang="vi-VN" sz="3600" b="1" dirty="0"/>
+              <a:t>quyết đánh bại </a:t>
+            </a:r>
+            <a:r>
+              <a:rPr lang="vi-VN" sz="3600" b="1" dirty="0" smtClean="0"/>
+              <a:t>Sa-tan</a:t>
+            </a:r>
+          </a:p>
+          <a:p>
+            <a:pPr algn="ctr">
+              <a:buNone/>
+            </a:pPr>
+            <a:r>
+              <a:rPr lang="vi-VN" sz="3600" b="1" dirty="0" smtClean="0"/>
+              <a:t>Gặp </a:t>
+            </a:r>
+            <a:r>
+              <a:rPr lang="vi-VN" sz="3600" b="1" dirty="0"/>
+              <a:t>gian nguy sẽ không nao </a:t>
+            </a:r>
+            <a:r>
+              <a:rPr lang="vi-VN" sz="3600" b="1" dirty="0" smtClean="0"/>
+              <a:t>lòng</a:t>
+            </a:r>
+          </a:p>
+          <a:p>
+            <a:pPr algn="ctr">
+              <a:buNone/>
+            </a:pPr>
+            <a:r>
+              <a:rPr lang="vi-VN" sz="3600" b="1" dirty="0" smtClean="0"/>
+              <a:t>Tin </a:t>
+            </a:r>
+            <a:r>
+              <a:rPr lang="vi-VN" sz="3600" b="1" dirty="0"/>
+              <a:t>cậy ơn sức Chúa </a:t>
+            </a:r>
+            <a:r>
+              <a:rPr lang="vi-VN" sz="3600" b="1" dirty="0" smtClean="0"/>
+              <a:t>ban</a:t>
+            </a:r>
+            <a:endParaRPr lang="zh-TW" altLang="en-US" sz="3600" b="1" dirty="0"/>
+          </a:p>
+        </p:txBody>
+      </p:sp>
+      <p:sp>
+        <p:nvSpPr>
+          <p:cNvPr id="4" name="TextBox 3"/>
+          <p:cNvSpPr txBox="1"/>
+          <p:nvPr/>
+        </p:nvSpPr>
+        <p:spPr>
+          <a:xfrm>
+            <a:off x="107504" y="492265"/>
+            <a:ext cx="936104" cy="707886"/>
+          </a:xfrm>
+          <a:prstGeom prst="rect">
+            <a:avLst/>
+          </a:prstGeom>
+          <a:noFill/>
+        </p:spPr>
+        <p:txBody>
+          <a:bodyPr wrap="square" rtlCol="0">
+            <a:spAutoFit/>
+          </a:bodyPr>
+          <a:lstStyle/>
+          <a:p>
+            <a:r>
+              <a:rPr lang="en-US" sz="4000" b="1" dirty="0"/>
+              <a:t>2</a:t>
+            </a:r>
+            <a:r>
+              <a:rPr lang="en-US" sz="4000" b="1" dirty="0" smtClean="0"/>
+              <a:t>.</a:t>
+            </a:r>
+            <a:endParaRPr lang="vi-VN" sz="4000" b="1" dirty="0"/>
           </a:p>
         </p:txBody>
       </p:sp>
@@ -3576,38 +3834,40 @@
         </p:nvSpPr>
         <p:spPr/>
         <p:txBody>
-          <a:bodyPr/>
-          <a:lstStyle/>
-          <a:p>
-            <a:r>
-              <a:rPr lang="en-US" b="1" dirty="0" err="1"/>
+          <a:bodyPr>
+            <a:normAutofit/>
+          </a:bodyPr>
+          <a:lstStyle/>
+          <a:p>
+            <a:r>
+              <a:rPr lang="en-US" sz="3200" b="1" dirty="0" err="1"/>
               <a:t>Tinh</a:t>
             </a:r>
             <a:r>
-              <a:rPr lang="en-US" b="1" dirty="0"/>
+              <a:rPr lang="en-US" sz="3200" b="1" dirty="0"/>
               <a:t> </a:t>
             </a:r>
             <a:r>
-              <a:rPr lang="en-US" b="1" dirty="0" err="1"/>
+              <a:rPr lang="en-US" sz="3200" b="1" dirty="0" err="1"/>
               <a:t>Binh</a:t>
             </a:r>
             <a:r>
-              <a:rPr lang="en-US" b="1" dirty="0"/>
+              <a:rPr lang="en-US" sz="3200" b="1" dirty="0"/>
               <a:t> </a:t>
             </a:r>
             <a:r>
-              <a:rPr lang="en-US" b="1" dirty="0" err="1"/>
+              <a:rPr lang="en-US" sz="3200" b="1" dirty="0" err="1"/>
               <a:t>Thập</a:t>
             </a:r>
             <a:r>
-              <a:rPr lang="en-US" b="1" dirty="0"/>
+              <a:rPr lang="en-US" sz="3200" b="1" dirty="0"/>
               <a:t> </a:t>
             </a:r>
             <a:r>
-              <a:rPr lang="en-US" b="1" dirty="0" err="1"/>
+              <a:rPr lang="en-US" sz="3200" b="1" dirty="0" err="1"/>
               <a:t>Tự</a:t>
             </a:r>
-            <a:endParaRPr lang="zh-TW" altLang="en-US" dirty="0"/>
+            <a:endParaRPr lang="zh-TW" altLang="en-US" sz="3200" b="1" dirty="0"/>
           </a:p>
         </p:txBody>
       </p:sp>
@@ -3623,38 +3883,104 @@
         </p:nvSpPr>
         <p:spPr/>
         <p:txBody>
-          <a:bodyPr/>
-          <a:lstStyle/>
-          <a:p>
-            <a:pPr>
+          <a:bodyPr>
+            <a:normAutofit/>
+          </a:bodyPr>
+          <a:lstStyle/>
+          <a:p>
+            <a:pPr algn="ctr">
               <a:buNone/>
             </a:pPr>
             <a:r>
-              <a:rPr lang="vi-VN" dirty="0" smtClean="0"/>
-              <a:t>Này tinh binh Chúa hãy vững vàng,</a:t>
-            </a:r>
-            <a:br>
-              <a:rPr lang="vi-VN" dirty="0" smtClean="0"/>
-            </a:br>
-            <a:r>
-              <a:rPr lang="vi-VN" dirty="0" smtClean="0"/>
-              <a:t>Năng lực duy mong Chúa ban</a:t>
-            </a:r>
-            <a:br>
-              <a:rPr lang="vi-VN" dirty="0" smtClean="0"/>
-            </a:br>
-            <a:r>
-              <a:rPr lang="vi-VN" dirty="0" smtClean="0"/>
-              <a:t>Phàm ai nương cánh tay nhân loại,</a:t>
-            </a:r>
-            <a:br>
-              <a:rPr lang="vi-VN" dirty="0" smtClean="0"/>
-            </a:br>
-            <a:r>
-              <a:rPr lang="vi-VN" dirty="0" smtClean="0"/>
-              <a:t>Chắc bị ma quỉ đánh tan</a:t>
-            </a:r>
-            <a:endParaRPr lang="zh-TW" altLang="en-US" dirty="0"/>
+              <a:rPr lang="vi-VN" sz="3600" b="1" dirty="0"/>
+              <a:t>Này tinh binh Chúa hãy vững </a:t>
+            </a:r>
+            <a:r>
+              <a:rPr lang="vi-VN" sz="3600" b="1" dirty="0" smtClean="0"/>
+              <a:t>vàng</a:t>
+            </a:r>
+          </a:p>
+          <a:p>
+            <a:pPr algn="ctr">
+              <a:buNone/>
+            </a:pPr>
+            <a:r>
+              <a:rPr lang="vi-VN" sz="3600" b="1" dirty="0" smtClean="0"/>
+              <a:t>Năng </a:t>
+            </a:r>
+            <a:r>
+              <a:rPr lang="vi-VN" sz="3600" b="1" dirty="0"/>
+              <a:t>lực duy mong Chúa </a:t>
+            </a:r>
+            <a:r>
+              <a:rPr lang="vi-VN" sz="3600" b="1" dirty="0" smtClean="0"/>
+              <a:t>ban</a:t>
+            </a:r>
+          </a:p>
+          <a:p>
+            <a:pPr algn="ctr">
+              <a:buNone/>
+            </a:pPr>
+            <a:r>
+              <a:rPr lang="vi-VN" sz="3600" b="1" dirty="0" smtClean="0"/>
+              <a:t>Phàm </a:t>
+            </a:r>
+            <a:r>
+              <a:rPr lang="vi-VN" sz="3600" b="1" dirty="0"/>
+              <a:t>ai nương cánh tay nhân </a:t>
+            </a:r>
+            <a:r>
+              <a:rPr lang="vi-VN" sz="3600" b="1" dirty="0" smtClean="0"/>
+              <a:t>loại</a:t>
+            </a:r>
+          </a:p>
+          <a:p>
+            <a:pPr algn="ctr">
+              <a:buNone/>
+            </a:pPr>
+            <a:r>
+              <a:rPr lang="vi-VN" sz="3600" b="1" dirty="0" smtClean="0"/>
+              <a:t>Chắc </a:t>
+            </a:r>
+            <a:r>
+              <a:rPr lang="vi-VN" sz="3600" b="1" dirty="0"/>
+              <a:t>bị ma quỉ đánh tan</a:t>
+            </a:r>
+            <a:endParaRPr lang="zh-TW" altLang="en-US" sz="3600" b="1" dirty="0"/>
+          </a:p>
+        </p:txBody>
+      </p:sp>
+      <p:sp>
+        <p:nvSpPr>
+          <p:cNvPr id="4" name="TextBox 3"/>
+          <p:cNvSpPr txBox="1"/>
+          <p:nvPr/>
+        </p:nvSpPr>
+        <p:spPr>
+          <a:xfrm>
+            <a:off x="107504" y="492265"/>
+            <a:ext cx="936104" cy="707886"/>
+          </a:xfrm>
+          <a:prstGeom prst="rect">
+            <a:avLst/>
+          </a:prstGeom>
+          <a:noFill/>
+        </p:spPr>
+        <p:txBody>
+          <a:bodyPr wrap="square" rtlCol="0">
+            <a:spAutoFit/>
+          </a:bodyPr>
+          <a:lstStyle/>
+          <a:p>
+            <a:r>
+              <a:rPr lang="en-US" sz="4000" b="1" dirty="0"/>
+              <a:t>3</a:t>
+            </a:r>
+            <a:r>
+              <a:rPr lang="en-US" sz="4000" b="1" dirty="0" smtClean="0"/>
+              <a:t>.</a:t>
+            </a:r>
+            <a:endParaRPr lang="vi-VN" sz="4000" b="1" dirty="0"/>
           </a:p>
         </p:txBody>
       </p:sp>
@@ -3695,38 +4021,40 @@
         </p:nvSpPr>
         <p:spPr/>
         <p:txBody>
-          <a:bodyPr/>
-          <a:lstStyle/>
-          <a:p>
-            <a:r>
-              <a:rPr lang="en-US" b="1" dirty="0" err="1"/>
+          <a:bodyPr>
+            <a:normAutofit/>
+          </a:bodyPr>
+          <a:lstStyle/>
+          <a:p>
+            <a:r>
+              <a:rPr lang="en-US" sz="3200" b="1" dirty="0" err="1"/>
               <a:t>Tinh</a:t>
             </a:r>
             <a:r>
-              <a:rPr lang="en-US" b="1" dirty="0"/>
+              <a:rPr lang="en-US" sz="3200" b="1" dirty="0"/>
               <a:t> </a:t>
             </a:r>
             <a:r>
-              <a:rPr lang="en-US" b="1" dirty="0" err="1"/>
+              <a:rPr lang="en-US" sz="3200" b="1" dirty="0" err="1"/>
               <a:t>Binh</a:t>
             </a:r>
             <a:r>
-              <a:rPr lang="en-US" b="1" dirty="0"/>
+              <a:rPr lang="en-US" sz="3200" b="1" dirty="0"/>
               <a:t> </a:t>
             </a:r>
             <a:r>
-              <a:rPr lang="en-US" b="1" dirty="0" err="1"/>
+              <a:rPr lang="en-US" sz="3200" b="1" dirty="0" err="1"/>
               <a:t>Thập</a:t>
             </a:r>
             <a:r>
-              <a:rPr lang="en-US" b="1" dirty="0"/>
+              <a:rPr lang="en-US" sz="3200" b="1" dirty="0"/>
               <a:t> </a:t>
             </a:r>
             <a:r>
-              <a:rPr lang="en-US" b="1" dirty="0" err="1"/>
+              <a:rPr lang="en-US" sz="3200" b="1" dirty="0" err="1"/>
               <a:t>Tự</a:t>
             </a:r>
-            <a:endParaRPr lang="zh-TW" altLang="en-US" dirty="0"/>
+            <a:endParaRPr lang="zh-TW" altLang="en-US" sz="3200" b="1" dirty="0"/>
           </a:p>
         </p:txBody>
       </p:sp>
@@ -3742,38 +4070,108 @@
         </p:nvSpPr>
         <p:spPr/>
         <p:txBody>
-          <a:bodyPr/>
-          <a:lstStyle/>
-          <a:p>
-            <a:pPr>
+          <a:bodyPr>
+            <a:normAutofit/>
+          </a:bodyPr>
+          <a:lstStyle/>
+          <a:p>
+            <a:pPr algn="ctr">
               <a:buNone/>
             </a:pPr>
             <a:r>
-              <a:rPr lang="vi-VN" dirty="0" smtClean="0"/>
-              <a:t>Kìa, giáp Tin Lành mau khoác lấy,</a:t>
-            </a:r>
-            <a:br>
-              <a:rPr lang="vi-VN" dirty="0" smtClean="0"/>
-            </a:br>
-            <a:r>
-              <a:rPr lang="vi-VN" dirty="0" smtClean="0"/>
-              <a:t>Tỉnh thức, khẩn nguyện đêm ngày</a:t>
-            </a:r>
-            <a:br>
-              <a:rPr lang="vi-VN" dirty="0" smtClean="0"/>
-            </a:br>
-            <a:r>
-              <a:rPr lang="vi-VN" dirty="0" smtClean="0"/>
-              <a:t>Dầu Cha sai đến đâu không nài,</a:t>
-            </a:r>
-            <a:br>
-              <a:rPr lang="vi-VN" dirty="0" smtClean="0"/>
-            </a:br>
-            <a:r>
-              <a:rPr lang="vi-VN" dirty="0" smtClean="0"/>
-              <a:t>Vâng lời ta quyết đi ngay.</a:t>
-            </a:r>
-            <a:endParaRPr lang="zh-TW" altLang="en-US" dirty="0"/>
+              <a:rPr lang="vi-VN" sz="3600" b="1" dirty="0"/>
+              <a:t>Kìa, giáp Tin Lành mau khoác </a:t>
+            </a:r>
+            <a:r>
+              <a:rPr lang="vi-VN" sz="3600" b="1" dirty="0" smtClean="0"/>
+              <a:t>lấy</a:t>
+            </a:r>
+          </a:p>
+          <a:p>
+            <a:pPr algn="ctr">
+              <a:buNone/>
+            </a:pPr>
+            <a:r>
+              <a:rPr lang="vi-VN" sz="3600" b="1" dirty="0" smtClean="0"/>
+              <a:t>Tỉnh </a:t>
+            </a:r>
+            <a:r>
+              <a:rPr lang="vi-VN" sz="3600" b="1" dirty="0"/>
+              <a:t>thức, khẩn nguyện đêm </a:t>
+            </a:r>
+            <a:r>
+              <a:rPr lang="vi-VN" sz="3600" b="1" dirty="0" smtClean="0"/>
+              <a:t>ngày</a:t>
+            </a:r>
+          </a:p>
+          <a:p>
+            <a:pPr algn="ctr">
+              <a:buNone/>
+            </a:pPr>
+            <a:r>
+              <a:rPr lang="vi-VN" sz="3600" b="1" dirty="0" smtClean="0"/>
+              <a:t>Dầu </a:t>
+            </a:r>
+            <a:r>
+              <a:rPr lang="vi-VN" sz="3600" b="1" dirty="0"/>
+              <a:t>Cha sai đến đâu không </a:t>
+            </a:r>
+            <a:r>
+              <a:rPr lang="vi-VN" sz="3600" b="1" dirty="0" smtClean="0"/>
+              <a:t>nài</a:t>
+            </a:r>
+          </a:p>
+          <a:p>
+            <a:pPr algn="ctr">
+              <a:buNone/>
+            </a:pPr>
+            <a:r>
+              <a:rPr lang="vi-VN" sz="3600" b="1" dirty="0" smtClean="0"/>
+              <a:t>Vâng </a:t>
+            </a:r>
+            <a:r>
+              <a:rPr lang="vi-VN" sz="3600" b="1" dirty="0"/>
+              <a:t>lời ta quyết đi </a:t>
+            </a:r>
+            <a:r>
+              <a:rPr lang="vi-VN" sz="3600" b="1" dirty="0" smtClean="0"/>
+              <a:t>ngay</a:t>
+            </a:r>
+            <a:endParaRPr lang="zh-TW" altLang="en-US" sz="3600" b="1" dirty="0"/>
+          </a:p>
+        </p:txBody>
+      </p:sp>
+      <p:sp>
+        <p:nvSpPr>
+          <p:cNvPr id="4" name="TextBox 3"/>
+          <p:cNvSpPr txBox="1"/>
+          <p:nvPr/>
+        </p:nvSpPr>
+        <p:spPr>
+          <a:xfrm>
+            <a:off x="107504" y="492265"/>
+            <a:ext cx="936104" cy="707886"/>
+          </a:xfrm>
+          <a:prstGeom prst="rect">
+            <a:avLst/>
+          </a:prstGeom>
+          <a:noFill/>
+        </p:spPr>
+        <p:txBody>
+          <a:bodyPr wrap="square" rtlCol="0">
+            <a:spAutoFit/>
+          </a:bodyPr>
+          <a:lstStyle/>
+          <a:p>
+            <a:r>
+              <a:rPr lang="en-US" sz="4000" b="1" dirty="0"/>
+              <a:t>3</a:t>
+            </a:r>
+            <a:r>
+              <a:rPr lang="en-US" sz="4000" b="1" dirty="0" smtClean="0"/>
+              <a:t>.</a:t>
+            </a:r>
+            <a:endParaRPr lang="vi-VN" sz="4000" b="1" dirty="0"/>
           </a:p>
         </p:txBody>
       </p:sp>
@@ -3814,38 +4212,40 @@
         </p:nvSpPr>
         <p:spPr/>
         <p:txBody>
-          <a:bodyPr/>
-          <a:lstStyle/>
-          <a:p>
-            <a:r>
-              <a:rPr lang="en-US" b="1" dirty="0" err="1"/>
+          <a:bodyPr>
+            <a:normAutofit/>
+          </a:bodyPr>
+          <a:lstStyle/>
+          <a:p>
+            <a:r>
+              <a:rPr lang="en-US" sz="3200" b="1" dirty="0" err="1"/>
               <a:t>Tinh</a:t>
             </a:r>
             <a:r>
-              <a:rPr lang="en-US" b="1" dirty="0"/>
+              <a:rPr lang="en-US" sz="3200" b="1" dirty="0"/>
               <a:t> </a:t>
             </a:r>
             <a:r>
-              <a:rPr lang="en-US" b="1" dirty="0" err="1"/>
+              <a:rPr lang="en-US" sz="3200" b="1" dirty="0" err="1"/>
               <a:t>Binh</a:t>
             </a:r>
             <a:r>
-              <a:rPr lang="en-US" b="1" dirty="0"/>
+              <a:rPr lang="en-US" sz="3200" b="1" dirty="0"/>
               <a:t> </a:t>
             </a:r>
             <a:r>
-              <a:rPr lang="en-US" b="1" dirty="0" err="1"/>
+              <a:rPr lang="en-US" sz="3200" b="1" dirty="0" err="1"/>
               <a:t>Thập</a:t>
             </a:r>
             <a:r>
-              <a:rPr lang="en-US" b="1" dirty="0"/>
+              <a:rPr lang="en-US" sz="3200" b="1" dirty="0"/>
               <a:t> </a:t>
             </a:r>
             <a:r>
-              <a:rPr lang="en-US" b="1" dirty="0" err="1"/>
+              <a:rPr lang="en-US" sz="3200" b="1" dirty="0" err="1"/>
               <a:t>Tự</a:t>
             </a:r>
-            <a:endParaRPr lang="zh-TW" altLang="en-US" dirty="0"/>
+            <a:endParaRPr lang="zh-TW" altLang="en-US" sz="3200" b="1" dirty="0"/>
           </a:p>
         </p:txBody>
       </p:sp>
@@ -3861,38 +4261,104 @@
         </p:nvSpPr>
         <p:spPr/>
         <p:txBody>
-          <a:bodyPr/>
-          <a:lstStyle/>
-          <a:p>
-            <a:pPr>
+          <a:bodyPr>
+            <a:normAutofit/>
+          </a:bodyPr>
+          <a:lstStyle/>
+          <a:p>
+            <a:pPr algn="ctr">
               <a:buNone/>
             </a:pPr>
             <a:r>
-              <a:rPr lang="vi-VN" dirty="0" smtClean="0"/>
-              <a:t>Nầy tinh binh Chúa hãy vững vàng,</a:t>
-            </a:r>
-            <a:br>
-              <a:rPr lang="vi-VN" dirty="0" smtClean="0"/>
-            </a:br>
-            <a:r>
-              <a:rPr lang="vi-VN" dirty="0" smtClean="0"/>
-              <a:t>Cơn giặc không lâu sẽ thôi</a:t>
-            </a:r>
-            <a:br>
-              <a:rPr lang="vi-VN" dirty="0" smtClean="0"/>
-            </a:br>
-            <a:r>
-              <a:rPr lang="vi-VN" dirty="0" smtClean="0"/>
-              <a:t>Ngày nay tranh chiến trên sa trường,</a:t>
-            </a:r>
-            <a:br>
-              <a:rPr lang="vi-VN" dirty="0" smtClean="0"/>
-            </a:br>
-            <a:r>
-              <a:rPr lang="vi-VN" dirty="0" smtClean="0"/>
-              <a:t>Khải hoàn mai hát khắp nơi</a:t>
-            </a:r>
-            <a:endParaRPr lang="zh-TW" altLang="en-US" dirty="0"/>
+              <a:rPr lang="vi-VN" sz="3600" b="1" dirty="0"/>
+              <a:t>Nầy tinh binh Chúa hãy vững </a:t>
+            </a:r>
+            <a:r>
+              <a:rPr lang="vi-VN" sz="3600" b="1" dirty="0" smtClean="0"/>
+              <a:t>vàng</a:t>
+            </a:r>
+          </a:p>
+          <a:p>
+            <a:pPr algn="ctr">
+              <a:buNone/>
+            </a:pPr>
+            <a:r>
+              <a:rPr lang="vi-VN" sz="3600" b="1" dirty="0" smtClean="0"/>
+              <a:t>Cơn </a:t>
+            </a:r>
+            <a:r>
+              <a:rPr lang="vi-VN" sz="3600" b="1" dirty="0"/>
+              <a:t>giặc không lâu sẽ </a:t>
+            </a:r>
+            <a:r>
+              <a:rPr lang="vi-VN" sz="3600" b="1" dirty="0" smtClean="0"/>
+              <a:t>thôi</a:t>
+            </a:r>
+          </a:p>
+          <a:p>
+            <a:pPr algn="ctr">
+              <a:buNone/>
+            </a:pPr>
+            <a:r>
+              <a:rPr lang="vi-VN" sz="3600" b="1" dirty="0" smtClean="0"/>
+              <a:t>Ngày </a:t>
+            </a:r>
+            <a:r>
+              <a:rPr lang="vi-VN" sz="3600" b="1" dirty="0"/>
+              <a:t>nay tranh chiến trên sa </a:t>
+            </a:r>
+            <a:r>
+              <a:rPr lang="vi-VN" sz="3600" b="1" dirty="0" smtClean="0"/>
+              <a:t>trường</a:t>
+            </a:r>
+          </a:p>
+          <a:p>
+            <a:pPr algn="ctr">
+              <a:buNone/>
+            </a:pPr>
+            <a:r>
+              <a:rPr lang="vi-VN" sz="3600" b="1" dirty="0" smtClean="0"/>
+              <a:t>Khải </a:t>
+            </a:r>
+            <a:r>
+              <a:rPr lang="vi-VN" sz="3600" b="1" dirty="0"/>
+              <a:t>hoàn mai hát khắp nơi</a:t>
+            </a:r>
+            <a:endParaRPr lang="zh-TW" altLang="en-US" sz="3600" b="1" dirty="0"/>
+          </a:p>
+        </p:txBody>
+      </p:sp>
+      <p:sp>
+        <p:nvSpPr>
+          <p:cNvPr id="4" name="TextBox 3"/>
+          <p:cNvSpPr txBox="1"/>
+          <p:nvPr/>
+        </p:nvSpPr>
+        <p:spPr>
+          <a:xfrm>
+            <a:off x="107504" y="492265"/>
+            <a:ext cx="936104" cy="707886"/>
+          </a:xfrm>
+          <a:prstGeom prst="rect">
+            <a:avLst/>
+          </a:prstGeom>
+          <a:noFill/>
+        </p:spPr>
+        <p:txBody>
+          <a:bodyPr wrap="square" rtlCol="0">
+            <a:spAutoFit/>
+          </a:bodyPr>
+          <a:lstStyle/>
+          <a:p>
+            <a:r>
+              <a:rPr lang="en-US" sz="4000" b="1" dirty="0"/>
+              <a:t>4</a:t>
+            </a:r>
+            <a:r>
+              <a:rPr lang="en-US" sz="4000" b="1" dirty="0" smtClean="0"/>
+              <a:t>.</a:t>
+            </a:r>
+            <a:endParaRPr lang="vi-VN" sz="4000" b="1" dirty="0"/>
           </a:p>
         </p:txBody>
       </p:sp>
@@ -3933,38 +4399,40 @@
         </p:nvSpPr>
         <p:spPr/>
         <p:txBody>
-          <a:bodyPr/>
-          <a:lstStyle/>
-          <a:p>
-            <a:r>
-              <a:rPr lang="en-US" b="1" dirty="0" err="1"/>
+          <a:bodyPr>
+            <a:normAutofit/>
+          </a:bodyPr>
+          <a:lstStyle/>
+          <a:p>
+            <a:r>
+              <a:rPr lang="en-US" sz="3200" b="1" dirty="0" err="1"/>
               <a:t>Tinh</a:t>
             </a:r>
             <a:r>
-              <a:rPr lang="en-US" b="1" dirty="0"/>
+              <a:rPr lang="en-US" sz="3200" b="1" dirty="0"/>
               <a:t> </a:t>
             </a:r>
             <a:r>
-              <a:rPr lang="en-US" b="1" dirty="0" err="1"/>
+              <a:rPr lang="en-US" sz="3200" b="1" dirty="0" err="1"/>
               <a:t>Binh</a:t>
             </a:r>
             <a:r>
-              <a:rPr lang="en-US" b="1" dirty="0"/>
+              <a:rPr lang="en-US" sz="3200" b="1" dirty="0"/>
               <a:t> </a:t>
             </a:r>
             <a:r>
-              <a:rPr lang="en-US" b="1" dirty="0" err="1"/>
+              <a:rPr lang="en-US" sz="3200" b="1" dirty="0" err="1"/>
               <a:t>Thập</a:t>
             </a:r>
             <a:r>
-              <a:rPr lang="en-US" b="1" dirty="0"/>
+              <a:rPr lang="en-US" sz="3200" b="1" dirty="0"/>
               <a:t> </a:t>
             </a:r>
             <a:r>
-              <a:rPr lang="en-US" b="1" dirty="0" err="1"/>
+              <a:rPr lang="en-US" sz="3200" b="1" dirty="0" err="1"/>
               <a:t>Tự</a:t>
             </a:r>
-            <a:endParaRPr lang="zh-TW" altLang="en-US" dirty="0"/>
+            <a:endParaRPr lang="zh-TW" altLang="en-US" sz="3200" b="1" dirty="0"/>
           </a:p>
         </p:txBody>
       </p:sp>
@@ -3980,38 +4448,108 @@
         </p:nvSpPr>
         <p:spPr/>
         <p:txBody>
-          <a:bodyPr/>
-          <a:lstStyle/>
-          <a:p>
-            <a:pPr>
+          <a:bodyPr>
+            <a:normAutofit/>
+          </a:bodyPr>
+          <a:lstStyle/>
+          <a:p>
+            <a:pPr algn="ctr">
               <a:buNone/>
             </a:pPr>
             <a:r>
-              <a:rPr lang="vi-VN" dirty="0" smtClean="0"/>
-              <a:t>Kìa, ai thắng được mưu quỉ dữ,</a:t>
-            </a:r>
-            <a:br>
-              <a:rPr lang="vi-VN" dirty="0" smtClean="0"/>
-            </a:br>
-            <a:r>
-              <a:rPr lang="vi-VN" dirty="0" smtClean="0"/>
-              <a:t>Sẽ lãnh kim miện ở trời</a:t>
-            </a:r>
-            <a:br>
-              <a:rPr lang="vi-VN" dirty="0" smtClean="0"/>
-            </a:br>
-            <a:r>
-              <a:rPr lang="vi-VN" dirty="0" smtClean="0"/>
-              <a:t>Cùng Vua vinh hiển trên thiên đàng,</a:t>
-            </a:r>
-            <a:br>
-              <a:rPr lang="vi-VN" dirty="0" smtClean="0"/>
-            </a:br>
-            <a:r>
-              <a:rPr lang="vi-VN" dirty="0" smtClean="0"/>
-              <a:t>Cai trị vinh hiển muôn đời.</a:t>
-            </a:r>
-            <a:endParaRPr lang="zh-TW" altLang="en-US" dirty="0"/>
+              <a:rPr lang="vi-VN" sz="3600" b="1" dirty="0"/>
+              <a:t>Kìa, ai thắng được mưu quỉ </a:t>
+            </a:r>
+            <a:r>
+              <a:rPr lang="vi-VN" sz="3600" b="1" dirty="0" smtClean="0"/>
+              <a:t>dữ</a:t>
+            </a:r>
+          </a:p>
+          <a:p>
+            <a:pPr algn="ctr">
+              <a:buNone/>
+            </a:pPr>
+            <a:r>
+              <a:rPr lang="vi-VN" sz="3600" b="1" dirty="0" smtClean="0"/>
+              <a:t>Sẽ </a:t>
+            </a:r>
+            <a:r>
+              <a:rPr lang="vi-VN" sz="3600" b="1" dirty="0"/>
+              <a:t>lãnh kim miện ở </a:t>
+            </a:r>
+            <a:r>
+              <a:rPr lang="vi-VN" sz="3600" b="1" dirty="0" smtClean="0"/>
+              <a:t>trời</a:t>
+            </a:r>
+          </a:p>
+          <a:p>
+            <a:pPr algn="ctr">
+              <a:buNone/>
+            </a:pPr>
+            <a:r>
+              <a:rPr lang="vi-VN" sz="3600" b="1" dirty="0" smtClean="0"/>
+              <a:t>Cùng </a:t>
+            </a:r>
+            <a:r>
+              <a:rPr lang="vi-VN" sz="3600" b="1" dirty="0"/>
+              <a:t>Vua vinh hiển trên thiên </a:t>
+            </a:r>
+            <a:r>
+              <a:rPr lang="vi-VN" sz="3600" b="1" dirty="0" smtClean="0"/>
+              <a:t>đàng</a:t>
+            </a:r>
+          </a:p>
+          <a:p>
+            <a:pPr algn="ctr">
+              <a:buNone/>
+            </a:pPr>
+            <a:r>
+              <a:rPr lang="vi-VN" sz="3600" b="1" dirty="0" smtClean="0"/>
+              <a:t>Cai </a:t>
+            </a:r>
+            <a:r>
+              <a:rPr lang="vi-VN" sz="3600" b="1" dirty="0"/>
+              <a:t>trị vinh hiển muôn </a:t>
+            </a:r>
+            <a:r>
+              <a:rPr lang="vi-VN" sz="3600" b="1" dirty="0" smtClean="0"/>
+              <a:t>đời</a:t>
+            </a:r>
+            <a:endParaRPr lang="zh-TW" altLang="en-US" sz="3600" b="1" dirty="0"/>
+          </a:p>
+        </p:txBody>
+      </p:sp>
+      <p:sp>
+        <p:nvSpPr>
+          <p:cNvPr id="4" name="TextBox 3"/>
+          <p:cNvSpPr txBox="1"/>
+          <p:nvPr/>
+        </p:nvSpPr>
+        <p:spPr>
+          <a:xfrm>
+            <a:off x="107504" y="492265"/>
+            <a:ext cx="936104" cy="707886"/>
+          </a:xfrm>
+          <a:prstGeom prst="rect">
+            <a:avLst/>
+          </a:prstGeom>
+          <a:noFill/>
+        </p:spPr>
+        <p:txBody>
+          <a:bodyPr wrap="square" rtlCol="0">
+            <a:spAutoFit/>
+          </a:bodyPr>
+          <a:lstStyle/>
+          <a:p>
+            <a:r>
+              <a:rPr lang="en-US" sz="4000" b="1" dirty="0"/>
+              <a:t>4</a:t>
+            </a:r>
+            <a:r>
+              <a:rPr lang="en-US" sz="4000" b="1" smtClean="0"/>
+              <a:t>.</a:t>
+            </a:r>
+            <a:endParaRPr lang="vi-VN" sz="4000" b="1" dirty="0"/>
           </a:p>
         </p:txBody>
       </p:sp>
